--- a/_lectures/week04/photoresistor graphics.pptx
+++ b/_lectures/week04/photoresistor graphics.pptx
@@ -6,6 +6,8 @@
   </p:sldMasterIdLst>
   <p:sldIdLst>
     <p:sldId id="256" r:id="rId2"/>
+    <p:sldId id="262" r:id="rId3"/>
+    <p:sldId id="263" r:id="rId4"/>
   </p:sldIdLst>
   <p:sldSz cx="12192000" cy="6858000"/>
   <p:notesSz cx="6858000" cy="9144000"/>
@@ -104,6 +106,11 @@
       </a:defRPr>
     </a:lvl9pPr>
   </p:defaultTextStyle>
+  <p:extLst>
+    <p:ext uri="{EFAFB233-063F-42B5-8137-9DF3F51BA10A}">
+      <p15:sldGuideLst xmlns:p15="http://schemas.microsoft.com/office/powerpoint/2012/main"/>
+    </p:ext>
+  </p:extLst>
 </p:presentation>
 </file>
 
@@ -149,10 +156,9 @@
           </a:lstStyle>
           <a:p>
             <a:r>
-              <a:rPr lang="en-US" smtClean="0"/>
+              <a:rPr lang="en-US"/>
               <a:t>Click to edit Master title style</a:t>
             </a:r>
-            <a:endParaRPr lang="en-US"/>
           </a:p>
         </p:txBody>
       </p:sp>
@@ -214,10 +220,9 @@
           </a:lstStyle>
           <a:p>
             <a:r>
-              <a:rPr lang="en-US" smtClean="0"/>
+              <a:rPr lang="en-US"/>
               <a:t>Click to edit Master subtitle style</a:t>
             </a:r>
-            <a:endParaRPr lang="en-US"/>
           </a:p>
         </p:txBody>
       </p:sp>
@@ -238,7 +243,7 @@
           <a:p>
             <a:fld id="{F4FC087C-D3D0-4BF7-A30C-512B5FA39E18}" type="datetimeFigureOut">
               <a:rPr lang="en-US" smtClean="0"/>
-              <a:t>8/12/2020</a:t>
+              <a:t>2/6/2021</a:t>
             </a:fld>
             <a:endParaRPr lang="en-US"/>
           </a:p>
@@ -332,10 +337,9 @@
           <a:lstStyle/>
           <a:p>
             <a:r>
-              <a:rPr lang="en-US" smtClean="0"/>
+              <a:rPr lang="en-US"/>
               <a:t>Click to edit Master title style</a:t>
             </a:r>
-            <a:endParaRPr lang="en-US"/>
           </a:p>
         </p:txBody>
       </p:sp>
@@ -356,38 +360,37 @@
           <a:p>
             <a:pPr lvl="0"/>
             <a:r>
-              <a:rPr lang="en-US" smtClean="0"/>
+              <a:rPr lang="en-US"/>
               <a:t>Edit Master text styles</a:t>
             </a:r>
           </a:p>
           <a:p>
             <a:pPr lvl="1"/>
             <a:r>
-              <a:rPr lang="en-US" smtClean="0"/>
+              <a:rPr lang="en-US"/>
               <a:t>Second level</a:t>
             </a:r>
           </a:p>
           <a:p>
             <a:pPr lvl="2"/>
             <a:r>
-              <a:rPr lang="en-US" smtClean="0"/>
+              <a:rPr lang="en-US"/>
               <a:t>Third level</a:t>
             </a:r>
           </a:p>
           <a:p>
             <a:pPr lvl="3"/>
             <a:r>
-              <a:rPr lang="en-US" smtClean="0"/>
+              <a:rPr lang="en-US"/>
               <a:t>Fourth level</a:t>
             </a:r>
           </a:p>
           <a:p>
             <a:pPr lvl="4"/>
             <a:r>
-              <a:rPr lang="en-US" smtClean="0"/>
+              <a:rPr lang="en-US"/>
               <a:t>Fifth level</a:t>
             </a:r>
-            <a:endParaRPr lang="en-US"/>
           </a:p>
         </p:txBody>
       </p:sp>
@@ -408,7 +411,7 @@
           <a:p>
             <a:fld id="{F4FC087C-D3D0-4BF7-A30C-512B5FA39E18}" type="datetimeFigureOut">
               <a:rPr lang="en-US" smtClean="0"/>
-              <a:t>8/12/2020</a:t>
+              <a:t>2/6/2021</a:t>
             </a:fld>
             <a:endParaRPr lang="en-US"/>
           </a:p>
@@ -507,10 +510,9 @@
           <a:lstStyle/>
           <a:p>
             <a:r>
-              <a:rPr lang="en-US" smtClean="0"/>
+              <a:rPr lang="en-US"/>
               <a:t>Click to edit Master title style</a:t>
             </a:r>
-            <a:endParaRPr lang="en-US"/>
           </a:p>
         </p:txBody>
       </p:sp>
@@ -536,38 +538,37 @@
           <a:p>
             <a:pPr lvl="0"/>
             <a:r>
-              <a:rPr lang="en-US" smtClean="0"/>
+              <a:rPr lang="en-US"/>
               <a:t>Edit Master text styles</a:t>
             </a:r>
           </a:p>
           <a:p>
             <a:pPr lvl="1"/>
             <a:r>
-              <a:rPr lang="en-US" smtClean="0"/>
+              <a:rPr lang="en-US"/>
               <a:t>Second level</a:t>
             </a:r>
           </a:p>
           <a:p>
             <a:pPr lvl="2"/>
             <a:r>
-              <a:rPr lang="en-US" smtClean="0"/>
+              <a:rPr lang="en-US"/>
               <a:t>Third level</a:t>
             </a:r>
           </a:p>
           <a:p>
             <a:pPr lvl="3"/>
             <a:r>
-              <a:rPr lang="en-US" smtClean="0"/>
+              <a:rPr lang="en-US"/>
               <a:t>Fourth level</a:t>
             </a:r>
           </a:p>
           <a:p>
             <a:pPr lvl="4"/>
             <a:r>
-              <a:rPr lang="en-US" smtClean="0"/>
+              <a:rPr lang="en-US"/>
               <a:t>Fifth level</a:t>
             </a:r>
-            <a:endParaRPr lang="en-US"/>
           </a:p>
         </p:txBody>
       </p:sp>
@@ -588,7 +589,7 @@
           <a:p>
             <a:fld id="{F4FC087C-D3D0-4BF7-A30C-512B5FA39E18}" type="datetimeFigureOut">
               <a:rPr lang="en-US" smtClean="0"/>
-              <a:t>8/12/2020</a:t>
+              <a:t>2/6/2021</a:t>
             </a:fld>
             <a:endParaRPr lang="en-US"/>
           </a:p>
@@ -682,10 +683,9 @@
           <a:lstStyle/>
           <a:p>
             <a:r>
-              <a:rPr lang="en-US" smtClean="0"/>
+              <a:rPr lang="en-US"/>
               <a:t>Click to edit Master title style</a:t>
             </a:r>
-            <a:endParaRPr lang="en-US"/>
           </a:p>
         </p:txBody>
       </p:sp>
@@ -706,38 +706,37 @@
           <a:p>
             <a:pPr lvl="0"/>
             <a:r>
-              <a:rPr lang="en-US" smtClean="0"/>
+              <a:rPr lang="en-US"/>
               <a:t>Edit Master text styles</a:t>
             </a:r>
           </a:p>
           <a:p>
             <a:pPr lvl="1"/>
             <a:r>
-              <a:rPr lang="en-US" smtClean="0"/>
+              <a:rPr lang="en-US"/>
               <a:t>Second level</a:t>
             </a:r>
           </a:p>
           <a:p>
             <a:pPr lvl="2"/>
             <a:r>
-              <a:rPr lang="en-US" smtClean="0"/>
+              <a:rPr lang="en-US"/>
               <a:t>Third level</a:t>
             </a:r>
           </a:p>
           <a:p>
             <a:pPr lvl="3"/>
             <a:r>
-              <a:rPr lang="en-US" smtClean="0"/>
+              <a:rPr lang="en-US"/>
               <a:t>Fourth level</a:t>
             </a:r>
           </a:p>
           <a:p>
             <a:pPr lvl="4"/>
             <a:r>
-              <a:rPr lang="en-US" smtClean="0"/>
+              <a:rPr lang="en-US"/>
               <a:t>Fifth level</a:t>
             </a:r>
-            <a:endParaRPr lang="en-US"/>
           </a:p>
         </p:txBody>
       </p:sp>
@@ -758,7 +757,7 @@
           <a:p>
             <a:fld id="{F4FC087C-D3D0-4BF7-A30C-512B5FA39E18}" type="datetimeFigureOut">
               <a:rPr lang="en-US" smtClean="0"/>
-              <a:t>8/12/2020</a:t>
+              <a:t>2/6/2021</a:t>
             </a:fld>
             <a:endParaRPr lang="en-US"/>
           </a:p>
@@ -861,10 +860,9 @@
           </a:lstStyle>
           <a:p>
             <a:r>
-              <a:rPr lang="en-US" smtClean="0"/>
+              <a:rPr lang="en-US"/>
               <a:t>Click to edit Master title style</a:t>
             </a:r>
-            <a:endParaRPr lang="en-US"/>
           </a:p>
         </p:txBody>
       </p:sp>
@@ -981,7 +979,7 @@
           <a:p>
             <a:pPr lvl="0"/>
             <a:r>
-              <a:rPr lang="en-US" smtClean="0"/>
+              <a:rPr lang="en-US"/>
               <a:t>Edit Master text styles</a:t>
             </a:r>
           </a:p>
@@ -1004,7 +1002,7 @@
           <a:p>
             <a:fld id="{F4FC087C-D3D0-4BF7-A30C-512B5FA39E18}" type="datetimeFigureOut">
               <a:rPr lang="en-US" smtClean="0"/>
-              <a:t>8/12/2020</a:t>
+              <a:t>2/6/2021</a:t>
             </a:fld>
             <a:endParaRPr lang="en-US"/>
           </a:p>
@@ -1098,10 +1096,9 @@
           <a:lstStyle/>
           <a:p>
             <a:r>
-              <a:rPr lang="en-US" smtClean="0"/>
+              <a:rPr lang="en-US"/>
               <a:t>Click to edit Master title style</a:t>
             </a:r>
-            <a:endParaRPr lang="en-US"/>
           </a:p>
         </p:txBody>
       </p:sp>
@@ -1127,38 +1124,37 @@
           <a:p>
             <a:pPr lvl="0"/>
             <a:r>
-              <a:rPr lang="en-US" smtClean="0"/>
+              <a:rPr lang="en-US"/>
               <a:t>Edit Master text styles</a:t>
             </a:r>
           </a:p>
           <a:p>
             <a:pPr lvl="1"/>
             <a:r>
-              <a:rPr lang="en-US" smtClean="0"/>
+              <a:rPr lang="en-US"/>
               <a:t>Second level</a:t>
             </a:r>
           </a:p>
           <a:p>
             <a:pPr lvl="2"/>
             <a:r>
-              <a:rPr lang="en-US" smtClean="0"/>
+              <a:rPr lang="en-US"/>
               <a:t>Third level</a:t>
             </a:r>
           </a:p>
           <a:p>
             <a:pPr lvl="3"/>
             <a:r>
-              <a:rPr lang="en-US" smtClean="0"/>
+              <a:rPr lang="en-US"/>
               <a:t>Fourth level</a:t>
             </a:r>
           </a:p>
           <a:p>
             <a:pPr lvl="4"/>
             <a:r>
-              <a:rPr lang="en-US" smtClean="0"/>
+              <a:rPr lang="en-US"/>
               <a:t>Fifth level</a:t>
             </a:r>
-            <a:endParaRPr lang="en-US"/>
           </a:p>
         </p:txBody>
       </p:sp>
@@ -1184,38 +1180,37 @@
           <a:p>
             <a:pPr lvl="0"/>
             <a:r>
-              <a:rPr lang="en-US" smtClean="0"/>
+              <a:rPr lang="en-US"/>
               <a:t>Edit Master text styles</a:t>
             </a:r>
           </a:p>
           <a:p>
             <a:pPr lvl="1"/>
             <a:r>
-              <a:rPr lang="en-US" smtClean="0"/>
+              <a:rPr lang="en-US"/>
               <a:t>Second level</a:t>
             </a:r>
           </a:p>
           <a:p>
             <a:pPr lvl="2"/>
             <a:r>
-              <a:rPr lang="en-US" smtClean="0"/>
+              <a:rPr lang="en-US"/>
               <a:t>Third level</a:t>
             </a:r>
           </a:p>
           <a:p>
             <a:pPr lvl="3"/>
             <a:r>
-              <a:rPr lang="en-US" smtClean="0"/>
+              <a:rPr lang="en-US"/>
               <a:t>Fourth level</a:t>
             </a:r>
           </a:p>
           <a:p>
             <a:pPr lvl="4"/>
             <a:r>
-              <a:rPr lang="en-US" smtClean="0"/>
+              <a:rPr lang="en-US"/>
               <a:t>Fifth level</a:t>
             </a:r>
-            <a:endParaRPr lang="en-US"/>
           </a:p>
         </p:txBody>
       </p:sp>
@@ -1236,7 +1231,7 @@
           <a:p>
             <a:fld id="{F4FC087C-D3D0-4BF7-A30C-512B5FA39E18}" type="datetimeFigureOut">
               <a:rPr lang="en-US" smtClean="0"/>
-              <a:t>8/12/2020</a:t>
+              <a:t>2/6/2021</a:t>
             </a:fld>
             <a:endParaRPr lang="en-US"/>
           </a:p>
@@ -1335,10 +1330,9 @@
           <a:lstStyle/>
           <a:p>
             <a:r>
-              <a:rPr lang="en-US" smtClean="0"/>
+              <a:rPr lang="en-US"/>
               <a:t>Click to edit Master title style</a:t>
             </a:r>
-            <a:endParaRPr lang="en-US"/>
           </a:p>
         </p:txBody>
       </p:sp>
@@ -1401,7 +1395,7 @@
           <a:p>
             <a:pPr lvl="0"/>
             <a:r>
-              <a:rPr lang="en-US" smtClean="0"/>
+              <a:rPr lang="en-US"/>
               <a:t>Edit Master text styles</a:t>
             </a:r>
           </a:p>
@@ -1429,38 +1423,37 @@
           <a:p>
             <a:pPr lvl="0"/>
             <a:r>
-              <a:rPr lang="en-US" smtClean="0"/>
+              <a:rPr lang="en-US"/>
               <a:t>Edit Master text styles</a:t>
             </a:r>
           </a:p>
           <a:p>
             <a:pPr lvl="1"/>
             <a:r>
-              <a:rPr lang="en-US" smtClean="0"/>
+              <a:rPr lang="en-US"/>
               <a:t>Second level</a:t>
             </a:r>
           </a:p>
           <a:p>
             <a:pPr lvl="2"/>
             <a:r>
-              <a:rPr lang="en-US" smtClean="0"/>
+              <a:rPr lang="en-US"/>
               <a:t>Third level</a:t>
             </a:r>
           </a:p>
           <a:p>
             <a:pPr lvl="3"/>
             <a:r>
-              <a:rPr lang="en-US" smtClean="0"/>
+              <a:rPr lang="en-US"/>
               <a:t>Fourth level</a:t>
             </a:r>
           </a:p>
           <a:p>
             <a:pPr lvl="4"/>
             <a:r>
-              <a:rPr lang="en-US" smtClean="0"/>
+              <a:rPr lang="en-US"/>
               <a:t>Fifth level</a:t>
             </a:r>
-            <a:endParaRPr lang="en-US"/>
           </a:p>
         </p:txBody>
       </p:sp>
@@ -1523,7 +1516,7 @@
           <a:p>
             <a:pPr lvl="0"/>
             <a:r>
-              <a:rPr lang="en-US" smtClean="0"/>
+              <a:rPr lang="en-US"/>
               <a:t>Edit Master text styles</a:t>
             </a:r>
           </a:p>
@@ -1551,38 +1544,37 @@
           <a:p>
             <a:pPr lvl="0"/>
             <a:r>
-              <a:rPr lang="en-US" smtClean="0"/>
+              <a:rPr lang="en-US"/>
               <a:t>Edit Master text styles</a:t>
             </a:r>
           </a:p>
           <a:p>
             <a:pPr lvl="1"/>
             <a:r>
-              <a:rPr lang="en-US" smtClean="0"/>
+              <a:rPr lang="en-US"/>
               <a:t>Second level</a:t>
             </a:r>
           </a:p>
           <a:p>
             <a:pPr lvl="2"/>
             <a:r>
-              <a:rPr lang="en-US" smtClean="0"/>
+              <a:rPr lang="en-US"/>
               <a:t>Third level</a:t>
             </a:r>
           </a:p>
           <a:p>
             <a:pPr lvl="3"/>
             <a:r>
-              <a:rPr lang="en-US" smtClean="0"/>
+              <a:rPr lang="en-US"/>
               <a:t>Fourth level</a:t>
             </a:r>
           </a:p>
           <a:p>
             <a:pPr lvl="4"/>
             <a:r>
-              <a:rPr lang="en-US" smtClean="0"/>
+              <a:rPr lang="en-US"/>
               <a:t>Fifth level</a:t>
             </a:r>
-            <a:endParaRPr lang="en-US"/>
           </a:p>
         </p:txBody>
       </p:sp>
@@ -1603,7 +1595,7 @@
           <a:p>
             <a:fld id="{F4FC087C-D3D0-4BF7-A30C-512B5FA39E18}" type="datetimeFigureOut">
               <a:rPr lang="en-US" smtClean="0"/>
-              <a:t>8/12/2020</a:t>
+              <a:t>2/6/2021</a:t>
             </a:fld>
             <a:endParaRPr lang="en-US"/>
           </a:p>
@@ -1697,10 +1689,9 @@
           <a:lstStyle/>
           <a:p>
             <a:r>
-              <a:rPr lang="en-US" smtClean="0"/>
+              <a:rPr lang="en-US"/>
               <a:t>Click to edit Master title style</a:t>
             </a:r>
-            <a:endParaRPr lang="en-US"/>
           </a:p>
         </p:txBody>
       </p:sp>
@@ -1721,7 +1712,7 @@
           <a:p>
             <a:fld id="{F4FC087C-D3D0-4BF7-A30C-512B5FA39E18}" type="datetimeFigureOut">
               <a:rPr lang="en-US" smtClean="0"/>
-              <a:t>8/12/2020</a:t>
+              <a:t>2/6/2021</a:t>
             </a:fld>
             <a:endParaRPr lang="en-US"/>
           </a:p>
@@ -1816,7 +1807,7 @@
           <a:p>
             <a:fld id="{F4FC087C-D3D0-4BF7-A30C-512B5FA39E18}" type="datetimeFigureOut">
               <a:rPr lang="en-US" smtClean="0"/>
-              <a:t>8/12/2020</a:t>
+              <a:t>2/6/2021</a:t>
             </a:fld>
             <a:endParaRPr lang="en-US"/>
           </a:p>
@@ -1919,10 +1910,9 @@
           </a:lstStyle>
           <a:p>
             <a:r>
-              <a:rPr lang="en-US" smtClean="0"/>
+              <a:rPr lang="en-US"/>
               <a:t>Click to edit Master title style</a:t>
             </a:r>
-            <a:endParaRPr lang="en-US"/>
           </a:p>
         </p:txBody>
       </p:sp>
@@ -1976,38 +1966,37 @@
           <a:p>
             <a:pPr lvl="0"/>
             <a:r>
-              <a:rPr lang="en-US" smtClean="0"/>
+              <a:rPr lang="en-US"/>
               <a:t>Edit Master text styles</a:t>
             </a:r>
           </a:p>
           <a:p>
             <a:pPr lvl="1"/>
             <a:r>
-              <a:rPr lang="en-US" smtClean="0"/>
+              <a:rPr lang="en-US"/>
               <a:t>Second level</a:t>
             </a:r>
           </a:p>
           <a:p>
             <a:pPr lvl="2"/>
             <a:r>
-              <a:rPr lang="en-US" smtClean="0"/>
+              <a:rPr lang="en-US"/>
               <a:t>Third level</a:t>
             </a:r>
           </a:p>
           <a:p>
             <a:pPr lvl="3"/>
             <a:r>
-              <a:rPr lang="en-US" smtClean="0"/>
+              <a:rPr lang="en-US"/>
               <a:t>Fourth level</a:t>
             </a:r>
           </a:p>
           <a:p>
             <a:pPr lvl="4"/>
             <a:r>
-              <a:rPr lang="en-US" smtClean="0"/>
+              <a:rPr lang="en-US"/>
               <a:t>Fifth level</a:t>
             </a:r>
-            <a:endParaRPr lang="en-US"/>
           </a:p>
         </p:txBody>
       </p:sp>
@@ -2070,7 +2059,7 @@
           <a:p>
             <a:pPr lvl="0"/>
             <a:r>
-              <a:rPr lang="en-US" smtClean="0"/>
+              <a:rPr lang="en-US"/>
               <a:t>Edit Master text styles</a:t>
             </a:r>
           </a:p>
@@ -2093,7 +2082,7 @@
           <a:p>
             <a:fld id="{F4FC087C-D3D0-4BF7-A30C-512B5FA39E18}" type="datetimeFigureOut">
               <a:rPr lang="en-US" smtClean="0"/>
-              <a:t>8/12/2020</a:t>
+              <a:t>2/6/2021</a:t>
             </a:fld>
             <a:endParaRPr lang="en-US"/>
           </a:p>
@@ -2196,10 +2185,9 @@
           </a:lstStyle>
           <a:p>
             <a:r>
-              <a:rPr lang="en-US" smtClean="0"/>
+              <a:rPr lang="en-US"/>
               <a:t>Click to edit Master title style</a:t>
             </a:r>
-            <a:endParaRPr lang="en-US"/>
           </a:p>
         </p:txBody>
       </p:sp>
@@ -2323,7 +2311,7 @@
           <a:p>
             <a:pPr lvl="0"/>
             <a:r>
-              <a:rPr lang="en-US" smtClean="0"/>
+              <a:rPr lang="en-US"/>
               <a:t>Edit Master text styles</a:t>
             </a:r>
           </a:p>
@@ -2346,7 +2334,7 @@
           <a:p>
             <a:fld id="{F4FC087C-D3D0-4BF7-A30C-512B5FA39E18}" type="datetimeFigureOut">
               <a:rPr lang="en-US" smtClean="0"/>
-              <a:t>8/12/2020</a:t>
+              <a:t>2/6/2021</a:t>
             </a:fld>
             <a:endParaRPr lang="en-US"/>
           </a:p>
@@ -2455,10 +2443,9 @@
           <a:lstStyle/>
           <a:p>
             <a:r>
-              <a:rPr lang="en-US" smtClean="0"/>
+              <a:rPr lang="en-US"/>
               <a:t>Click to edit Master title style</a:t>
             </a:r>
-            <a:endParaRPr lang="en-US"/>
           </a:p>
         </p:txBody>
       </p:sp>
@@ -2489,38 +2476,37 @@
           <a:p>
             <a:pPr lvl="0"/>
             <a:r>
-              <a:rPr lang="en-US" smtClean="0"/>
+              <a:rPr lang="en-US"/>
               <a:t>Edit Master text styles</a:t>
             </a:r>
           </a:p>
           <a:p>
             <a:pPr lvl="1"/>
             <a:r>
-              <a:rPr lang="en-US" smtClean="0"/>
+              <a:rPr lang="en-US"/>
               <a:t>Second level</a:t>
             </a:r>
           </a:p>
           <a:p>
             <a:pPr lvl="2"/>
             <a:r>
-              <a:rPr lang="en-US" smtClean="0"/>
+              <a:rPr lang="en-US"/>
               <a:t>Third level</a:t>
             </a:r>
           </a:p>
           <a:p>
             <a:pPr lvl="3"/>
             <a:r>
-              <a:rPr lang="en-US" smtClean="0"/>
+              <a:rPr lang="en-US"/>
               <a:t>Fourth level</a:t>
             </a:r>
           </a:p>
           <a:p>
             <a:pPr lvl="4"/>
             <a:r>
-              <a:rPr lang="en-US" smtClean="0"/>
+              <a:rPr lang="en-US"/>
               <a:t>Fifth level</a:t>
             </a:r>
-            <a:endParaRPr lang="en-US"/>
           </a:p>
         </p:txBody>
       </p:sp>
@@ -2559,7 +2545,7 @@
           <a:p>
             <a:fld id="{F4FC087C-D3D0-4BF7-A30C-512B5FA39E18}" type="datetimeFigureOut">
               <a:rPr lang="en-US" smtClean="0"/>
-              <a:t>8/12/2020</a:t>
+              <a:t>2/6/2021</a:t>
             </a:fld>
             <a:endParaRPr lang="en-US"/>
           </a:p>
@@ -3063,20 +3049,17 @@
             <a:lstStyle/>
             <a:p>
               <a:r>
-                <a:rPr lang="en-US" b="1" dirty="0" err="1" smtClean="0">
+                <a:rPr lang="en-US" b="1" dirty="0" err="1">
                   <a:latin typeface="Consolas" panose="020B0609020204030204" pitchFamily="49" charset="0"/>
                 </a:rPr>
                 <a:t>Vout</a:t>
               </a:r>
               <a:r>
-                <a:rPr lang="en-US" b="1" dirty="0" smtClean="0">
+                <a:rPr lang="en-US" b="1" dirty="0">
                   <a:latin typeface="Consolas" panose="020B0609020204030204" pitchFamily="49" charset="0"/>
                 </a:rPr>
                 <a:t> = Vin </a:t>
               </a:r>
-              <a:endParaRPr lang="en-US" b="1" dirty="0">
-                <a:latin typeface="Consolas" panose="020B0609020204030204" pitchFamily="49" charset="0"/>
-              </a:endParaRPr>
             </a:p>
           </p:txBody>
         </p:sp>
@@ -3180,20 +3163,17 @@
             <a:lstStyle/>
             <a:p>
               <a:r>
-                <a:rPr lang="en-US" b="1" dirty="0" err="1" smtClean="0">
+                <a:rPr lang="en-US" b="1" dirty="0" err="1">
                   <a:latin typeface="Consolas" panose="020B0609020204030204" pitchFamily="49" charset="0"/>
                 </a:rPr>
                 <a:t>Vout</a:t>
               </a:r>
               <a:r>
-                <a:rPr lang="en-US" b="1" dirty="0" smtClean="0">
+                <a:rPr lang="en-US" b="1" dirty="0">
                   <a:latin typeface="Consolas" panose="020B0609020204030204" pitchFamily="49" charset="0"/>
                 </a:rPr>
                 <a:t> = 0v </a:t>
               </a:r>
-              <a:endParaRPr lang="en-US" b="1" dirty="0">
-                <a:latin typeface="Consolas" panose="020B0609020204030204" pitchFamily="49" charset="0"/>
-              </a:endParaRPr>
             </a:p>
           </p:txBody>
         </p:sp>
@@ -3202,6 +3182,1096 @@
     <p:extLst>
       <p:ext uri="{BB962C8B-B14F-4D97-AF65-F5344CB8AC3E}">
         <p14:creationId xmlns:p14="http://schemas.microsoft.com/office/powerpoint/2010/main" val="3846551958"/>
+      </p:ext>
+    </p:extLst>
+  </p:cSld>
+  <p:clrMapOvr>
+    <a:masterClrMapping/>
+  </p:clrMapOvr>
+</p:sld>
+</file>
+
+<file path=ppt/slides/slide2.xml><?xml version="1.0" encoding="utf-8"?>
+<p:sld xmlns:a="http://schemas.openxmlformats.org/drawingml/2006/main" xmlns:r="http://schemas.openxmlformats.org/officeDocument/2006/relationships" xmlns:p="http://schemas.openxmlformats.org/presentationml/2006/main">
+  <p:cSld>
+    <p:spTree>
+      <p:nvGrpSpPr>
+        <p:cNvPr id="1" name=""/>
+        <p:cNvGrpSpPr/>
+        <p:nvPr/>
+      </p:nvGrpSpPr>
+      <p:grpSpPr>
+        <a:xfrm>
+          <a:off x="0" y="0"/>
+          <a:ext cx="0" cy="0"/>
+          <a:chOff x="0" y="0"/>
+          <a:chExt cx="0" cy="0"/>
+        </a:xfrm>
+      </p:grpSpPr>
+      <p:pic>
+        <p:nvPicPr>
+          <p:cNvPr id="2" name="Picture 1">
+            <a:extLst>
+              <a:ext uri="{FF2B5EF4-FFF2-40B4-BE49-F238E27FC236}">
+                <a16:creationId xmlns:a16="http://schemas.microsoft.com/office/drawing/2014/main" id="{A9559B6E-5B96-43F9-AF54-378152DCF7DC}"/>
+              </a:ext>
+            </a:extLst>
+          </p:cNvPr>
+          <p:cNvPicPr>
+            <a:picLocks noChangeAspect="1"/>
+          </p:cNvPicPr>
+          <p:nvPr/>
+        </p:nvPicPr>
+        <p:blipFill rotWithShape="1">
+          <a:blip r:embed="rId2">
+            <a:extLst>
+              <a:ext uri="{BEBA8EAE-BF5A-486C-A8C5-ECC9F3942E4B}">
+                <a14:imgProps xmlns:a14="http://schemas.microsoft.com/office/drawing/2010/main">
+                  <a14:imgLayer r:embed="rId3">
+                    <a14:imgEffect>
+                      <a14:brightnessContrast bright="20000" contrast="-40000"/>
+                    </a14:imgEffect>
+                  </a14:imgLayer>
+                </a14:imgProps>
+              </a:ext>
+            </a:extLst>
+          </a:blip>
+          <a:srcRect l="1645"/>
+          <a:stretch/>
+        </p:blipFill>
+        <p:spPr>
+          <a:xfrm>
+            <a:off x="221875" y="1048971"/>
+            <a:ext cx="4346221" cy="2689476"/>
+          </a:xfrm>
+          <a:prstGeom prst="rect">
+            <a:avLst/>
+          </a:prstGeom>
+        </p:spPr>
+      </p:pic>
+      <p:grpSp>
+        <p:nvGrpSpPr>
+          <p:cNvPr id="11" name="Group 10">
+            <a:extLst>
+              <a:ext uri="{FF2B5EF4-FFF2-40B4-BE49-F238E27FC236}">
+                <a16:creationId xmlns:a16="http://schemas.microsoft.com/office/drawing/2014/main" id="{C0B78EAB-3AD0-4791-B684-57DA20299C40}"/>
+              </a:ext>
+            </a:extLst>
+          </p:cNvPr>
+          <p:cNvGrpSpPr/>
+          <p:nvPr/>
+        </p:nvGrpSpPr>
+        <p:grpSpPr>
+          <a:xfrm rot="1447120">
+            <a:off x="4763784" y="398276"/>
+            <a:ext cx="4008626" cy="3240727"/>
+            <a:chOff x="7015790" y="385769"/>
+            <a:chExt cx="4008626" cy="3240727"/>
+          </a:xfrm>
+        </p:grpSpPr>
+        <p:sp>
+          <p:nvSpPr>
+            <p:cNvPr id="10" name="Sun 9">
+              <a:extLst>
+                <a:ext uri="{FF2B5EF4-FFF2-40B4-BE49-F238E27FC236}">
+                  <a16:creationId xmlns:a16="http://schemas.microsoft.com/office/drawing/2014/main" id="{D99E6275-75A7-401C-9009-12459CF055A5}"/>
+                </a:ext>
+              </a:extLst>
+            </p:cNvPr>
+            <p:cNvSpPr/>
+            <p:nvPr/>
+          </p:nvSpPr>
+          <p:spPr>
+            <a:xfrm rot="1224403">
+              <a:off x="7015790" y="1702237"/>
+              <a:ext cx="1901759" cy="1901862"/>
+            </a:xfrm>
+            <a:custGeom>
+              <a:avLst/>
+              <a:gdLst>
+                <a:gd name="connsiteX0" fmla="*/ 2499543 w 2499543"/>
+                <a:gd name="connsiteY0" fmla="*/ 1249772 h 2499543"/>
+                <a:gd name="connsiteX1" fmla="*/ 1995208 w 2499543"/>
+                <a:gd name="connsiteY1" fmla="*/ 1429125 h 2499543"/>
+                <a:gd name="connsiteX2" fmla="*/ 1995208 w 2499543"/>
+                <a:gd name="connsiteY2" fmla="*/ 1070418 h 2499543"/>
+                <a:gd name="connsiteX3" fmla="*/ 2499543 w 2499543"/>
+                <a:gd name="connsiteY3" fmla="*/ 1249772 h 2499543"/>
+                <a:gd name="connsiteX4" fmla="*/ 2133406 w 2499543"/>
+                <a:gd name="connsiteY4" fmla="*/ 366021 h 2499543"/>
+                <a:gd name="connsiteX5" fmla="*/ 1903675 w 2499543"/>
+                <a:gd name="connsiteY5" fmla="*/ 849509 h 2499543"/>
+                <a:gd name="connsiteX6" fmla="*/ 1650034 w 2499543"/>
+                <a:gd name="connsiteY6" fmla="*/ 595868 h 2499543"/>
+                <a:gd name="connsiteX7" fmla="*/ 2133406 w 2499543"/>
+                <a:gd name="connsiteY7" fmla="*/ 366021 h 2499543"/>
+                <a:gd name="connsiteX8" fmla="*/ 1249772 w 2499543"/>
+                <a:gd name="connsiteY8" fmla="*/ 0 h 2499543"/>
+                <a:gd name="connsiteX9" fmla="*/ 1429125 w 2499543"/>
+                <a:gd name="connsiteY9" fmla="*/ 504335 h 2499543"/>
+                <a:gd name="connsiteX10" fmla="*/ 1070418 w 2499543"/>
+                <a:gd name="connsiteY10" fmla="*/ 504335 h 2499543"/>
+                <a:gd name="connsiteX11" fmla="*/ 1249772 w 2499543"/>
+                <a:gd name="connsiteY11" fmla="*/ 0 h 2499543"/>
+                <a:gd name="connsiteX12" fmla="*/ 366021 w 2499543"/>
+                <a:gd name="connsiteY12" fmla="*/ 366021 h 2499543"/>
+                <a:gd name="connsiteX13" fmla="*/ 849509 w 2499543"/>
+                <a:gd name="connsiteY13" fmla="*/ 595868 h 2499543"/>
+                <a:gd name="connsiteX14" fmla="*/ 595868 w 2499543"/>
+                <a:gd name="connsiteY14" fmla="*/ 849509 h 2499543"/>
+                <a:gd name="connsiteX15" fmla="*/ 366021 w 2499543"/>
+                <a:gd name="connsiteY15" fmla="*/ 366021 h 2499543"/>
+                <a:gd name="connsiteX16" fmla="*/ 0 w 2499543"/>
+                <a:gd name="connsiteY16" fmla="*/ 1249772 h 2499543"/>
+                <a:gd name="connsiteX17" fmla="*/ 504335 w 2499543"/>
+                <a:gd name="connsiteY17" fmla="*/ 1070418 h 2499543"/>
+                <a:gd name="connsiteX18" fmla="*/ 504335 w 2499543"/>
+                <a:gd name="connsiteY18" fmla="*/ 1429125 h 2499543"/>
+                <a:gd name="connsiteX19" fmla="*/ 0 w 2499543"/>
+                <a:gd name="connsiteY19" fmla="*/ 1249772 h 2499543"/>
+                <a:gd name="connsiteX20" fmla="*/ 366021 w 2499543"/>
+                <a:gd name="connsiteY20" fmla="*/ 2133406 h 2499543"/>
+                <a:gd name="connsiteX21" fmla="*/ 595868 w 2499543"/>
+                <a:gd name="connsiteY21" fmla="*/ 1650034 h 2499543"/>
+                <a:gd name="connsiteX22" fmla="*/ 849509 w 2499543"/>
+                <a:gd name="connsiteY22" fmla="*/ 1903675 h 2499543"/>
+                <a:gd name="connsiteX23" fmla="*/ 366021 w 2499543"/>
+                <a:gd name="connsiteY23" fmla="*/ 2133406 h 2499543"/>
+                <a:gd name="connsiteX24" fmla="*/ 1249772 w 2499543"/>
+                <a:gd name="connsiteY24" fmla="*/ 2499543 h 2499543"/>
+                <a:gd name="connsiteX25" fmla="*/ 1070418 w 2499543"/>
+                <a:gd name="connsiteY25" fmla="*/ 1995208 h 2499543"/>
+                <a:gd name="connsiteX26" fmla="*/ 1429125 w 2499543"/>
+                <a:gd name="connsiteY26" fmla="*/ 1995208 h 2499543"/>
+                <a:gd name="connsiteX27" fmla="*/ 1249772 w 2499543"/>
+                <a:gd name="connsiteY27" fmla="*/ 2499543 h 2499543"/>
+                <a:gd name="connsiteX28" fmla="*/ 2133406 w 2499543"/>
+                <a:gd name="connsiteY28" fmla="*/ 2133406 h 2499543"/>
+                <a:gd name="connsiteX29" fmla="*/ 1650034 w 2499543"/>
+                <a:gd name="connsiteY29" fmla="*/ 1903675 h 2499543"/>
+                <a:gd name="connsiteX30" fmla="*/ 1903675 w 2499543"/>
+                <a:gd name="connsiteY30" fmla="*/ 1650034 h 2499543"/>
+                <a:gd name="connsiteX31" fmla="*/ 2133406 w 2499543"/>
+                <a:gd name="connsiteY31" fmla="*/ 2133406 h 2499543"/>
+                <a:gd name="connsiteX32" fmla="*/ 624886 w 2499543"/>
+                <a:gd name="connsiteY32" fmla="*/ 1249772 h 2499543"/>
+                <a:gd name="connsiteX33" fmla="*/ 1249772 w 2499543"/>
+                <a:gd name="connsiteY33" fmla="*/ 624886 h 2499543"/>
+                <a:gd name="connsiteX34" fmla="*/ 1874658 w 2499543"/>
+                <a:gd name="connsiteY34" fmla="*/ 1249772 h 2499543"/>
+                <a:gd name="connsiteX35" fmla="*/ 1249772 w 2499543"/>
+                <a:gd name="connsiteY35" fmla="*/ 1874658 h 2499543"/>
+                <a:gd name="connsiteX36" fmla="*/ 624886 w 2499543"/>
+                <a:gd name="connsiteY36" fmla="*/ 1249772 h 2499543"/>
+                <a:gd name="connsiteX0" fmla="*/ 2499543 w 2499543"/>
+                <a:gd name="connsiteY0" fmla="*/ 1890794 h 3140565"/>
+                <a:gd name="connsiteX1" fmla="*/ 1995208 w 2499543"/>
+                <a:gd name="connsiteY1" fmla="*/ 2070147 h 3140565"/>
+                <a:gd name="connsiteX2" fmla="*/ 1995208 w 2499543"/>
+                <a:gd name="connsiteY2" fmla="*/ 1711440 h 3140565"/>
+                <a:gd name="connsiteX3" fmla="*/ 2499543 w 2499543"/>
+                <a:gd name="connsiteY3" fmla="*/ 1890794 h 3140565"/>
+                <a:gd name="connsiteX4" fmla="*/ 2133406 w 2499543"/>
+                <a:gd name="connsiteY4" fmla="*/ 1007043 h 3140565"/>
+                <a:gd name="connsiteX5" fmla="*/ 1903675 w 2499543"/>
+                <a:gd name="connsiteY5" fmla="*/ 1490531 h 3140565"/>
+                <a:gd name="connsiteX6" fmla="*/ 1650034 w 2499543"/>
+                <a:gd name="connsiteY6" fmla="*/ 1236890 h 3140565"/>
+                <a:gd name="connsiteX7" fmla="*/ 2133406 w 2499543"/>
+                <a:gd name="connsiteY7" fmla="*/ 1007043 h 3140565"/>
+                <a:gd name="connsiteX8" fmla="*/ 1249772 w 2499543"/>
+                <a:gd name="connsiteY8" fmla="*/ 0 h 3140565"/>
+                <a:gd name="connsiteX9" fmla="*/ 1429125 w 2499543"/>
+                <a:gd name="connsiteY9" fmla="*/ 1145357 h 3140565"/>
+                <a:gd name="connsiteX10" fmla="*/ 1070418 w 2499543"/>
+                <a:gd name="connsiteY10" fmla="*/ 1145357 h 3140565"/>
+                <a:gd name="connsiteX11" fmla="*/ 1249772 w 2499543"/>
+                <a:gd name="connsiteY11" fmla="*/ 0 h 3140565"/>
+                <a:gd name="connsiteX12" fmla="*/ 366021 w 2499543"/>
+                <a:gd name="connsiteY12" fmla="*/ 1007043 h 3140565"/>
+                <a:gd name="connsiteX13" fmla="*/ 849509 w 2499543"/>
+                <a:gd name="connsiteY13" fmla="*/ 1236890 h 3140565"/>
+                <a:gd name="connsiteX14" fmla="*/ 595868 w 2499543"/>
+                <a:gd name="connsiteY14" fmla="*/ 1490531 h 3140565"/>
+                <a:gd name="connsiteX15" fmla="*/ 366021 w 2499543"/>
+                <a:gd name="connsiteY15" fmla="*/ 1007043 h 3140565"/>
+                <a:gd name="connsiteX16" fmla="*/ 0 w 2499543"/>
+                <a:gd name="connsiteY16" fmla="*/ 1890794 h 3140565"/>
+                <a:gd name="connsiteX17" fmla="*/ 504335 w 2499543"/>
+                <a:gd name="connsiteY17" fmla="*/ 1711440 h 3140565"/>
+                <a:gd name="connsiteX18" fmla="*/ 504335 w 2499543"/>
+                <a:gd name="connsiteY18" fmla="*/ 2070147 h 3140565"/>
+                <a:gd name="connsiteX19" fmla="*/ 0 w 2499543"/>
+                <a:gd name="connsiteY19" fmla="*/ 1890794 h 3140565"/>
+                <a:gd name="connsiteX20" fmla="*/ 366021 w 2499543"/>
+                <a:gd name="connsiteY20" fmla="*/ 2774428 h 3140565"/>
+                <a:gd name="connsiteX21" fmla="*/ 595868 w 2499543"/>
+                <a:gd name="connsiteY21" fmla="*/ 2291056 h 3140565"/>
+                <a:gd name="connsiteX22" fmla="*/ 849509 w 2499543"/>
+                <a:gd name="connsiteY22" fmla="*/ 2544697 h 3140565"/>
+                <a:gd name="connsiteX23" fmla="*/ 366021 w 2499543"/>
+                <a:gd name="connsiteY23" fmla="*/ 2774428 h 3140565"/>
+                <a:gd name="connsiteX24" fmla="*/ 1249772 w 2499543"/>
+                <a:gd name="connsiteY24" fmla="*/ 3140565 h 3140565"/>
+                <a:gd name="connsiteX25" fmla="*/ 1070418 w 2499543"/>
+                <a:gd name="connsiteY25" fmla="*/ 2636230 h 3140565"/>
+                <a:gd name="connsiteX26" fmla="*/ 1429125 w 2499543"/>
+                <a:gd name="connsiteY26" fmla="*/ 2636230 h 3140565"/>
+                <a:gd name="connsiteX27" fmla="*/ 1249772 w 2499543"/>
+                <a:gd name="connsiteY27" fmla="*/ 3140565 h 3140565"/>
+                <a:gd name="connsiteX28" fmla="*/ 2133406 w 2499543"/>
+                <a:gd name="connsiteY28" fmla="*/ 2774428 h 3140565"/>
+                <a:gd name="connsiteX29" fmla="*/ 1650034 w 2499543"/>
+                <a:gd name="connsiteY29" fmla="*/ 2544697 h 3140565"/>
+                <a:gd name="connsiteX30" fmla="*/ 1903675 w 2499543"/>
+                <a:gd name="connsiteY30" fmla="*/ 2291056 h 3140565"/>
+                <a:gd name="connsiteX31" fmla="*/ 2133406 w 2499543"/>
+                <a:gd name="connsiteY31" fmla="*/ 2774428 h 3140565"/>
+                <a:gd name="connsiteX32" fmla="*/ 624886 w 2499543"/>
+                <a:gd name="connsiteY32" fmla="*/ 1890794 h 3140565"/>
+                <a:gd name="connsiteX33" fmla="*/ 1249772 w 2499543"/>
+                <a:gd name="connsiteY33" fmla="*/ 1265908 h 3140565"/>
+                <a:gd name="connsiteX34" fmla="*/ 1874658 w 2499543"/>
+                <a:gd name="connsiteY34" fmla="*/ 1890794 h 3140565"/>
+                <a:gd name="connsiteX35" fmla="*/ 1249772 w 2499543"/>
+                <a:gd name="connsiteY35" fmla="*/ 2515680 h 3140565"/>
+                <a:gd name="connsiteX36" fmla="*/ 624886 w 2499543"/>
+                <a:gd name="connsiteY36" fmla="*/ 1890794 h 3140565"/>
+                <a:gd name="connsiteX0" fmla="*/ 2499543 w 2499543"/>
+                <a:gd name="connsiteY0" fmla="*/ 883751 h 2133522"/>
+                <a:gd name="connsiteX1" fmla="*/ 1995208 w 2499543"/>
+                <a:gd name="connsiteY1" fmla="*/ 1063104 h 2133522"/>
+                <a:gd name="connsiteX2" fmla="*/ 1995208 w 2499543"/>
+                <a:gd name="connsiteY2" fmla="*/ 704397 h 2133522"/>
+                <a:gd name="connsiteX3" fmla="*/ 2499543 w 2499543"/>
+                <a:gd name="connsiteY3" fmla="*/ 883751 h 2133522"/>
+                <a:gd name="connsiteX4" fmla="*/ 2133406 w 2499543"/>
+                <a:gd name="connsiteY4" fmla="*/ 0 h 2133522"/>
+                <a:gd name="connsiteX5" fmla="*/ 1903675 w 2499543"/>
+                <a:gd name="connsiteY5" fmla="*/ 483488 h 2133522"/>
+                <a:gd name="connsiteX6" fmla="*/ 1650034 w 2499543"/>
+                <a:gd name="connsiteY6" fmla="*/ 229847 h 2133522"/>
+                <a:gd name="connsiteX7" fmla="*/ 2133406 w 2499543"/>
+                <a:gd name="connsiteY7" fmla="*/ 0 h 2133522"/>
+                <a:gd name="connsiteX8" fmla="*/ 1070418 w 2499543"/>
+                <a:gd name="connsiteY8" fmla="*/ 138314 h 2133522"/>
+                <a:gd name="connsiteX9" fmla="*/ 1429125 w 2499543"/>
+                <a:gd name="connsiteY9" fmla="*/ 138314 h 2133522"/>
+                <a:gd name="connsiteX10" fmla="*/ 1070418 w 2499543"/>
+                <a:gd name="connsiteY10" fmla="*/ 138314 h 2133522"/>
+                <a:gd name="connsiteX11" fmla="*/ 366021 w 2499543"/>
+                <a:gd name="connsiteY11" fmla="*/ 0 h 2133522"/>
+                <a:gd name="connsiteX12" fmla="*/ 849509 w 2499543"/>
+                <a:gd name="connsiteY12" fmla="*/ 229847 h 2133522"/>
+                <a:gd name="connsiteX13" fmla="*/ 595868 w 2499543"/>
+                <a:gd name="connsiteY13" fmla="*/ 483488 h 2133522"/>
+                <a:gd name="connsiteX14" fmla="*/ 366021 w 2499543"/>
+                <a:gd name="connsiteY14" fmla="*/ 0 h 2133522"/>
+                <a:gd name="connsiteX15" fmla="*/ 0 w 2499543"/>
+                <a:gd name="connsiteY15" fmla="*/ 883751 h 2133522"/>
+                <a:gd name="connsiteX16" fmla="*/ 504335 w 2499543"/>
+                <a:gd name="connsiteY16" fmla="*/ 704397 h 2133522"/>
+                <a:gd name="connsiteX17" fmla="*/ 504335 w 2499543"/>
+                <a:gd name="connsiteY17" fmla="*/ 1063104 h 2133522"/>
+                <a:gd name="connsiteX18" fmla="*/ 0 w 2499543"/>
+                <a:gd name="connsiteY18" fmla="*/ 883751 h 2133522"/>
+                <a:gd name="connsiteX19" fmla="*/ 366021 w 2499543"/>
+                <a:gd name="connsiteY19" fmla="*/ 1767385 h 2133522"/>
+                <a:gd name="connsiteX20" fmla="*/ 595868 w 2499543"/>
+                <a:gd name="connsiteY20" fmla="*/ 1284013 h 2133522"/>
+                <a:gd name="connsiteX21" fmla="*/ 849509 w 2499543"/>
+                <a:gd name="connsiteY21" fmla="*/ 1537654 h 2133522"/>
+                <a:gd name="connsiteX22" fmla="*/ 366021 w 2499543"/>
+                <a:gd name="connsiteY22" fmla="*/ 1767385 h 2133522"/>
+                <a:gd name="connsiteX23" fmla="*/ 1249772 w 2499543"/>
+                <a:gd name="connsiteY23" fmla="*/ 2133522 h 2133522"/>
+                <a:gd name="connsiteX24" fmla="*/ 1070418 w 2499543"/>
+                <a:gd name="connsiteY24" fmla="*/ 1629187 h 2133522"/>
+                <a:gd name="connsiteX25" fmla="*/ 1429125 w 2499543"/>
+                <a:gd name="connsiteY25" fmla="*/ 1629187 h 2133522"/>
+                <a:gd name="connsiteX26" fmla="*/ 1249772 w 2499543"/>
+                <a:gd name="connsiteY26" fmla="*/ 2133522 h 2133522"/>
+                <a:gd name="connsiteX27" fmla="*/ 2133406 w 2499543"/>
+                <a:gd name="connsiteY27" fmla="*/ 1767385 h 2133522"/>
+                <a:gd name="connsiteX28" fmla="*/ 1650034 w 2499543"/>
+                <a:gd name="connsiteY28" fmla="*/ 1537654 h 2133522"/>
+                <a:gd name="connsiteX29" fmla="*/ 1903675 w 2499543"/>
+                <a:gd name="connsiteY29" fmla="*/ 1284013 h 2133522"/>
+                <a:gd name="connsiteX30" fmla="*/ 2133406 w 2499543"/>
+                <a:gd name="connsiteY30" fmla="*/ 1767385 h 2133522"/>
+                <a:gd name="connsiteX31" fmla="*/ 624886 w 2499543"/>
+                <a:gd name="connsiteY31" fmla="*/ 883751 h 2133522"/>
+                <a:gd name="connsiteX32" fmla="*/ 1249772 w 2499543"/>
+                <a:gd name="connsiteY32" fmla="*/ 258865 h 2133522"/>
+                <a:gd name="connsiteX33" fmla="*/ 1874658 w 2499543"/>
+                <a:gd name="connsiteY33" fmla="*/ 883751 h 2133522"/>
+                <a:gd name="connsiteX34" fmla="*/ 1249772 w 2499543"/>
+                <a:gd name="connsiteY34" fmla="*/ 1508637 h 2133522"/>
+                <a:gd name="connsiteX35" fmla="*/ 624886 w 2499543"/>
+                <a:gd name="connsiteY35" fmla="*/ 883751 h 2133522"/>
+                <a:gd name="connsiteX0" fmla="*/ 2499543 w 2499543"/>
+                <a:gd name="connsiteY0" fmla="*/ 883751 h 2133522"/>
+                <a:gd name="connsiteX1" fmla="*/ 1995208 w 2499543"/>
+                <a:gd name="connsiteY1" fmla="*/ 1063104 h 2133522"/>
+                <a:gd name="connsiteX2" fmla="*/ 1995208 w 2499543"/>
+                <a:gd name="connsiteY2" fmla="*/ 704397 h 2133522"/>
+                <a:gd name="connsiteX3" fmla="*/ 2499543 w 2499543"/>
+                <a:gd name="connsiteY3" fmla="*/ 883751 h 2133522"/>
+                <a:gd name="connsiteX4" fmla="*/ 1650034 w 2499543"/>
+                <a:gd name="connsiteY4" fmla="*/ 229847 h 2133522"/>
+                <a:gd name="connsiteX5" fmla="*/ 1903675 w 2499543"/>
+                <a:gd name="connsiteY5" fmla="*/ 483488 h 2133522"/>
+                <a:gd name="connsiteX6" fmla="*/ 1650034 w 2499543"/>
+                <a:gd name="connsiteY6" fmla="*/ 229847 h 2133522"/>
+                <a:gd name="connsiteX7" fmla="*/ 1070418 w 2499543"/>
+                <a:gd name="connsiteY7" fmla="*/ 138314 h 2133522"/>
+                <a:gd name="connsiteX8" fmla="*/ 1429125 w 2499543"/>
+                <a:gd name="connsiteY8" fmla="*/ 138314 h 2133522"/>
+                <a:gd name="connsiteX9" fmla="*/ 1070418 w 2499543"/>
+                <a:gd name="connsiteY9" fmla="*/ 138314 h 2133522"/>
+                <a:gd name="connsiteX10" fmla="*/ 366021 w 2499543"/>
+                <a:gd name="connsiteY10" fmla="*/ 0 h 2133522"/>
+                <a:gd name="connsiteX11" fmla="*/ 849509 w 2499543"/>
+                <a:gd name="connsiteY11" fmla="*/ 229847 h 2133522"/>
+                <a:gd name="connsiteX12" fmla="*/ 595868 w 2499543"/>
+                <a:gd name="connsiteY12" fmla="*/ 483488 h 2133522"/>
+                <a:gd name="connsiteX13" fmla="*/ 366021 w 2499543"/>
+                <a:gd name="connsiteY13" fmla="*/ 0 h 2133522"/>
+                <a:gd name="connsiteX14" fmla="*/ 0 w 2499543"/>
+                <a:gd name="connsiteY14" fmla="*/ 883751 h 2133522"/>
+                <a:gd name="connsiteX15" fmla="*/ 504335 w 2499543"/>
+                <a:gd name="connsiteY15" fmla="*/ 704397 h 2133522"/>
+                <a:gd name="connsiteX16" fmla="*/ 504335 w 2499543"/>
+                <a:gd name="connsiteY16" fmla="*/ 1063104 h 2133522"/>
+                <a:gd name="connsiteX17" fmla="*/ 0 w 2499543"/>
+                <a:gd name="connsiteY17" fmla="*/ 883751 h 2133522"/>
+                <a:gd name="connsiteX18" fmla="*/ 366021 w 2499543"/>
+                <a:gd name="connsiteY18" fmla="*/ 1767385 h 2133522"/>
+                <a:gd name="connsiteX19" fmla="*/ 595868 w 2499543"/>
+                <a:gd name="connsiteY19" fmla="*/ 1284013 h 2133522"/>
+                <a:gd name="connsiteX20" fmla="*/ 849509 w 2499543"/>
+                <a:gd name="connsiteY20" fmla="*/ 1537654 h 2133522"/>
+                <a:gd name="connsiteX21" fmla="*/ 366021 w 2499543"/>
+                <a:gd name="connsiteY21" fmla="*/ 1767385 h 2133522"/>
+                <a:gd name="connsiteX22" fmla="*/ 1249772 w 2499543"/>
+                <a:gd name="connsiteY22" fmla="*/ 2133522 h 2133522"/>
+                <a:gd name="connsiteX23" fmla="*/ 1070418 w 2499543"/>
+                <a:gd name="connsiteY23" fmla="*/ 1629187 h 2133522"/>
+                <a:gd name="connsiteX24" fmla="*/ 1429125 w 2499543"/>
+                <a:gd name="connsiteY24" fmla="*/ 1629187 h 2133522"/>
+                <a:gd name="connsiteX25" fmla="*/ 1249772 w 2499543"/>
+                <a:gd name="connsiteY25" fmla="*/ 2133522 h 2133522"/>
+                <a:gd name="connsiteX26" fmla="*/ 2133406 w 2499543"/>
+                <a:gd name="connsiteY26" fmla="*/ 1767385 h 2133522"/>
+                <a:gd name="connsiteX27" fmla="*/ 1650034 w 2499543"/>
+                <a:gd name="connsiteY27" fmla="*/ 1537654 h 2133522"/>
+                <a:gd name="connsiteX28" fmla="*/ 1903675 w 2499543"/>
+                <a:gd name="connsiteY28" fmla="*/ 1284013 h 2133522"/>
+                <a:gd name="connsiteX29" fmla="*/ 2133406 w 2499543"/>
+                <a:gd name="connsiteY29" fmla="*/ 1767385 h 2133522"/>
+                <a:gd name="connsiteX30" fmla="*/ 624886 w 2499543"/>
+                <a:gd name="connsiteY30" fmla="*/ 883751 h 2133522"/>
+                <a:gd name="connsiteX31" fmla="*/ 1249772 w 2499543"/>
+                <a:gd name="connsiteY31" fmla="*/ 258865 h 2133522"/>
+                <a:gd name="connsiteX32" fmla="*/ 1874658 w 2499543"/>
+                <a:gd name="connsiteY32" fmla="*/ 883751 h 2133522"/>
+                <a:gd name="connsiteX33" fmla="*/ 1249772 w 2499543"/>
+                <a:gd name="connsiteY33" fmla="*/ 1508637 h 2133522"/>
+                <a:gd name="connsiteX34" fmla="*/ 624886 w 2499543"/>
+                <a:gd name="connsiteY34" fmla="*/ 883751 h 2133522"/>
+                <a:gd name="connsiteX0" fmla="*/ 1995208 w 2133406"/>
+                <a:gd name="connsiteY0" fmla="*/ 704397 h 2133522"/>
+                <a:gd name="connsiteX1" fmla="*/ 1995208 w 2133406"/>
+                <a:gd name="connsiteY1" fmla="*/ 1063104 h 2133522"/>
+                <a:gd name="connsiteX2" fmla="*/ 1995208 w 2133406"/>
+                <a:gd name="connsiteY2" fmla="*/ 704397 h 2133522"/>
+                <a:gd name="connsiteX3" fmla="*/ 1650034 w 2133406"/>
+                <a:gd name="connsiteY3" fmla="*/ 229847 h 2133522"/>
+                <a:gd name="connsiteX4" fmla="*/ 1903675 w 2133406"/>
+                <a:gd name="connsiteY4" fmla="*/ 483488 h 2133522"/>
+                <a:gd name="connsiteX5" fmla="*/ 1650034 w 2133406"/>
+                <a:gd name="connsiteY5" fmla="*/ 229847 h 2133522"/>
+                <a:gd name="connsiteX6" fmla="*/ 1070418 w 2133406"/>
+                <a:gd name="connsiteY6" fmla="*/ 138314 h 2133522"/>
+                <a:gd name="connsiteX7" fmla="*/ 1429125 w 2133406"/>
+                <a:gd name="connsiteY7" fmla="*/ 138314 h 2133522"/>
+                <a:gd name="connsiteX8" fmla="*/ 1070418 w 2133406"/>
+                <a:gd name="connsiteY8" fmla="*/ 138314 h 2133522"/>
+                <a:gd name="connsiteX9" fmla="*/ 366021 w 2133406"/>
+                <a:gd name="connsiteY9" fmla="*/ 0 h 2133522"/>
+                <a:gd name="connsiteX10" fmla="*/ 849509 w 2133406"/>
+                <a:gd name="connsiteY10" fmla="*/ 229847 h 2133522"/>
+                <a:gd name="connsiteX11" fmla="*/ 595868 w 2133406"/>
+                <a:gd name="connsiteY11" fmla="*/ 483488 h 2133522"/>
+                <a:gd name="connsiteX12" fmla="*/ 366021 w 2133406"/>
+                <a:gd name="connsiteY12" fmla="*/ 0 h 2133522"/>
+                <a:gd name="connsiteX13" fmla="*/ 0 w 2133406"/>
+                <a:gd name="connsiteY13" fmla="*/ 883751 h 2133522"/>
+                <a:gd name="connsiteX14" fmla="*/ 504335 w 2133406"/>
+                <a:gd name="connsiteY14" fmla="*/ 704397 h 2133522"/>
+                <a:gd name="connsiteX15" fmla="*/ 504335 w 2133406"/>
+                <a:gd name="connsiteY15" fmla="*/ 1063104 h 2133522"/>
+                <a:gd name="connsiteX16" fmla="*/ 0 w 2133406"/>
+                <a:gd name="connsiteY16" fmla="*/ 883751 h 2133522"/>
+                <a:gd name="connsiteX17" fmla="*/ 366021 w 2133406"/>
+                <a:gd name="connsiteY17" fmla="*/ 1767385 h 2133522"/>
+                <a:gd name="connsiteX18" fmla="*/ 595868 w 2133406"/>
+                <a:gd name="connsiteY18" fmla="*/ 1284013 h 2133522"/>
+                <a:gd name="connsiteX19" fmla="*/ 849509 w 2133406"/>
+                <a:gd name="connsiteY19" fmla="*/ 1537654 h 2133522"/>
+                <a:gd name="connsiteX20" fmla="*/ 366021 w 2133406"/>
+                <a:gd name="connsiteY20" fmla="*/ 1767385 h 2133522"/>
+                <a:gd name="connsiteX21" fmla="*/ 1249772 w 2133406"/>
+                <a:gd name="connsiteY21" fmla="*/ 2133522 h 2133522"/>
+                <a:gd name="connsiteX22" fmla="*/ 1070418 w 2133406"/>
+                <a:gd name="connsiteY22" fmla="*/ 1629187 h 2133522"/>
+                <a:gd name="connsiteX23" fmla="*/ 1429125 w 2133406"/>
+                <a:gd name="connsiteY23" fmla="*/ 1629187 h 2133522"/>
+                <a:gd name="connsiteX24" fmla="*/ 1249772 w 2133406"/>
+                <a:gd name="connsiteY24" fmla="*/ 2133522 h 2133522"/>
+                <a:gd name="connsiteX25" fmla="*/ 2133406 w 2133406"/>
+                <a:gd name="connsiteY25" fmla="*/ 1767385 h 2133522"/>
+                <a:gd name="connsiteX26" fmla="*/ 1650034 w 2133406"/>
+                <a:gd name="connsiteY26" fmla="*/ 1537654 h 2133522"/>
+                <a:gd name="connsiteX27" fmla="*/ 1903675 w 2133406"/>
+                <a:gd name="connsiteY27" fmla="*/ 1284013 h 2133522"/>
+                <a:gd name="connsiteX28" fmla="*/ 2133406 w 2133406"/>
+                <a:gd name="connsiteY28" fmla="*/ 1767385 h 2133522"/>
+                <a:gd name="connsiteX29" fmla="*/ 624886 w 2133406"/>
+                <a:gd name="connsiteY29" fmla="*/ 883751 h 2133522"/>
+                <a:gd name="connsiteX30" fmla="*/ 1249772 w 2133406"/>
+                <a:gd name="connsiteY30" fmla="*/ 258865 h 2133522"/>
+                <a:gd name="connsiteX31" fmla="*/ 1874658 w 2133406"/>
+                <a:gd name="connsiteY31" fmla="*/ 883751 h 2133522"/>
+                <a:gd name="connsiteX32" fmla="*/ 1249772 w 2133406"/>
+                <a:gd name="connsiteY32" fmla="*/ 1508637 h 2133522"/>
+                <a:gd name="connsiteX33" fmla="*/ 624886 w 2133406"/>
+                <a:gd name="connsiteY33" fmla="*/ 883751 h 2133522"/>
+                <a:gd name="connsiteX0" fmla="*/ 1995208 w 2133406"/>
+                <a:gd name="connsiteY0" fmla="*/ 704397 h 2133522"/>
+                <a:gd name="connsiteX1" fmla="*/ 1995208 w 2133406"/>
+                <a:gd name="connsiteY1" fmla="*/ 1063104 h 2133522"/>
+                <a:gd name="connsiteX2" fmla="*/ 1995208 w 2133406"/>
+                <a:gd name="connsiteY2" fmla="*/ 704397 h 2133522"/>
+                <a:gd name="connsiteX3" fmla="*/ 1070418 w 2133406"/>
+                <a:gd name="connsiteY3" fmla="*/ 138314 h 2133522"/>
+                <a:gd name="connsiteX4" fmla="*/ 1429125 w 2133406"/>
+                <a:gd name="connsiteY4" fmla="*/ 138314 h 2133522"/>
+                <a:gd name="connsiteX5" fmla="*/ 1070418 w 2133406"/>
+                <a:gd name="connsiteY5" fmla="*/ 138314 h 2133522"/>
+                <a:gd name="connsiteX6" fmla="*/ 366021 w 2133406"/>
+                <a:gd name="connsiteY6" fmla="*/ 0 h 2133522"/>
+                <a:gd name="connsiteX7" fmla="*/ 849509 w 2133406"/>
+                <a:gd name="connsiteY7" fmla="*/ 229847 h 2133522"/>
+                <a:gd name="connsiteX8" fmla="*/ 595868 w 2133406"/>
+                <a:gd name="connsiteY8" fmla="*/ 483488 h 2133522"/>
+                <a:gd name="connsiteX9" fmla="*/ 366021 w 2133406"/>
+                <a:gd name="connsiteY9" fmla="*/ 0 h 2133522"/>
+                <a:gd name="connsiteX10" fmla="*/ 0 w 2133406"/>
+                <a:gd name="connsiteY10" fmla="*/ 883751 h 2133522"/>
+                <a:gd name="connsiteX11" fmla="*/ 504335 w 2133406"/>
+                <a:gd name="connsiteY11" fmla="*/ 704397 h 2133522"/>
+                <a:gd name="connsiteX12" fmla="*/ 504335 w 2133406"/>
+                <a:gd name="connsiteY12" fmla="*/ 1063104 h 2133522"/>
+                <a:gd name="connsiteX13" fmla="*/ 0 w 2133406"/>
+                <a:gd name="connsiteY13" fmla="*/ 883751 h 2133522"/>
+                <a:gd name="connsiteX14" fmla="*/ 366021 w 2133406"/>
+                <a:gd name="connsiteY14" fmla="*/ 1767385 h 2133522"/>
+                <a:gd name="connsiteX15" fmla="*/ 595868 w 2133406"/>
+                <a:gd name="connsiteY15" fmla="*/ 1284013 h 2133522"/>
+                <a:gd name="connsiteX16" fmla="*/ 849509 w 2133406"/>
+                <a:gd name="connsiteY16" fmla="*/ 1537654 h 2133522"/>
+                <a:gd name="connsiteX17" fmla="*/ 366021 w 2133406"/>
+                <a:gd name="connsiteY17" fmla="*/ 1767385 h 2133522"/>
+                <a:gd name="connsiteX18" fmla="*/ 1249772 w 2133406"/>
+                <a:gd name="connsiteY18" fmla="*/ 2133522 h 2133522"/>
+                <a:gd name="connsiteX19" fmla="*/ 1070418 w 2133406"/>
+                <a:gd name="connsiteY19" fmla="*/ 1629187 h 2133522"/>
+                <a:gd name="connsiteX20" fmla="*/ 1429125 w 2133406"/>
+                <a:gd name="connsiteY20" fmla="*/ 1629187 h 2133522"/>
+                <a:gd name="connsiteX21" fmla="*/ 1249772 w 2133406"/>
+                <a:gd name="connsiteY21" fmla="*/ 2133522 h 2133522"/>
+                <a:gd name="connsiteX22" fmla="*/ 2133406 w 2133406"/>
+                <a:gd name="connsiteY22" fmla="*/ 1767385 h 2133522"/>
+                <a:gd name="connsiteX23" fmla="*/ 1650034 w 2133406"/>
+                <a:gd name="connsiteY23" fmla="*/ 1537654 h 2133522"/>
+                <a:gd name="connsiteX24" fmla="*/ 1903675 w 2133406"/>
+                <a:gd name="connsiteY24" fmla="*/ 1284013 h 2133522"/>
+                <a:gd name="connsiteX25" fmla="*/ 2133406 w 2133406"/>
+                <a:gd name="connsiteY25" fmla="*/ 1767385 h 2133522"/>
+                <a:gd name="connsiteX26" fmla="*/ 624886 w 2133406"/>
+                <a:gd name="connsiteY26" fmla="*/ 883751 h 2133522"/>
+                <a:gd name="connsiteX27" fmla="*/ 1249772 w 2133406"/>
+                <a:gd name="connsiteY27" fmla="*/ 258865 h 2133522"/>
+                <a:gd name="connsiteX28" fmla="*/ 1874658 w 2133406"/>
+                <a:gd name="connsiteY28" fmla="*/ 883751 h 2133522"/>
+                <a:gd name="connsiteX29" fmla="*/ 1249772 w 2133406"/>
+                <a:gd name="connsiteY29" fmla="*/ 1508637 h 2133522"/>
+                <a:gd name="connsiteX30" fmla="*/ 624886 w 2133406"/>
+                <a:gd name="connsiteY30" fmla="*/ 883751 h 2133522"/>
+                <a:gd name="connsiteX0" fmla="*/ 1995208 w 2133406"/>
+                <a:gd name="connsiteY0" fmla="*/ 704397 h 2133522"/>
+                <a:gd name="connsiteX1" fmla="*/ 1995208 w 2133406"/>
+                <a:gd name="connsiteY1" fmla="*/ 1063104 h 2133522"/>
+                <a:gd name="connsiteX2" fmla="*/ 1995208 w 2133406"/>
+                <a:gd name="connsiteY2" fmla="*/ 704397 h 2133522"/>
+                <a:gd name="connsiteX3" fmla="*/ 366021 w 2133406"/>
+                <a:gd name="connsiteY3" fmla="*/ 0 h 2133522"/>
+                <a:gd name="connsiteX4" fmla="*/ 849509 w 2133406"/>
+                <a:gd name="connsiteY4" fmla="*/ 229847 h 2133522"/>
+                <a:gd name="connsiteX5" fmla="*/ 595868 w 2133406"/>
+                <a:gd name="connsiteY5" fmla="*/ 483488 h 2133522"/>
+                <a:gd name="connsiteX6" fmla="*/ 366021 w 2133406"/>
+                <a:gd name="connsiteY6" fmla="*/ 0 h 2133522"/>
+                <a:gd name="connsiteX7" fmla="*/ 0 w 2133406"/>
+                <a:gd name="connsiteY7" fmla="*/ 883751 h 2133522"/>
+                <a:gd name="connsiteX8" fmla="*/ 504335 w 2133406"/>
+                <a:gd name="connsiteY8" fmla="*/ 704397 h 2133522"/>
+                <a:gd name="connsiteX9" fmla="*/ 504335 w 2133406"/>
+                <a:gd name="connsiteY9" fmla="*/ 1063104 h 2133522"/>
+                <a:gd name="connsiteX10" fmla="*/ 0 w 2133406"/>
+                <a:gd name="connsiteY10" fmla="*/ 883751 h 2133522"/>
+                <a:gd name="connsiteX11" fmla="*/ 366021 w 2133406"/>
+                <a:gd name="connsiteY11" fmla="*/ 1767385 h 2133522"/>
+                <a:gd name="connsiteX12" fmla="*/ 595868 w 2133406"/>
+                <a:gd name="connsiteY12" fmla="*/ 1284013 h 2133522"/>
+                <a:gd name="connsiteX13" fmla="*/ 849509 w 2133406"/>
+                <a:gd name="connsiteY13" fmla="*/ 1537654 h 2133522"/>
+                <a:gd name="connsiteX14" fmla="*/ 366021 w 2133406"/>
+                <a:gd name="connsiteY14" fmla="*/ 1767385 h 2133522"/>
+                <a:gd name="connsiteX15" fmla="*/ 1249772 w 2133406"/>
+                <a:gd name="connsiteY15" fmla="*/ 2133522 h 2133522"/>
+                <a:gd name="connsiteX16" fmla="*/ 1070418 w 2133406"/>
+                <a:gd name="connsiteY16" fmla="*/ 1629187 h 2133522"/>
+                <a:gd name="connsiteX17" fmla="*/ 1429125 w 2133406"/>
+                <a:gd name="connsiteY17" fmla="*/ 1629187 h 2133522"/>
+                <a:gd name="connsiteX18" fmla="*/ 1249772 w 2133406"/>
+                <a:gd name="connsiteY18" fmla="*/ 2133522 h 2133522"/>
+                <a:gd name="connsiteX19" fmla="*/ 2133406 w 2133406"/>
+                <a:gd name="connsiteY19" fmla="*/ 1767385 h 2133522"/>
+                <a:gd name="connsiteX20" fmla="*/ 1650034 w 2133406"/>
+                <a:gd name="connsiteY20" fmla="*/ 1537654 h 2133522"/>
+                <a:gd name="connsiteX21" fmla="*/ 1903675 w 2133406"/>
+                <a:gd name="connsiteY21" fmla="*/ 1284013 h 2133522"/>
+                <a:gd name="connsiteX22" fmla="*/ 2133406 w 2133406"/>
+                <a:gd name="connsiteY22" fmla="*/ 1767385 h 2133522"/>
+                <a:gd name="connsiteX23" fmla="*/ 624886 w 2133406"/>
+                <a:gd name="connsiteY23" fmla="*/ 883751 h 2133522"/>
+                <a:gd name="connsiteX24" fmla="*/ 1249772 w 2133406"/>
+                <a:gd name="connsiteY24" fmla="*/ 258865 h 2133522"/>
+                <a:gd name="connsiteX25" fmla="*/ 1874658 w 2133406"/>
+                <a:gd name="connsiteY25" fmla="*/ 883751 h 2133522"/>
+                <a:gd name="connsiteX26" fmla="*/ 1249772 w 2133406"/>
+                <a:gd name="connsiteY26" fmla="*/ 1508637 h 2133522"/>
+                <a:gd name="connsiteX27" fmla="*/ 624886 w 2133406"/>
+                <a:gd name="connsiteY27" fmla="*/ 883751 h 2133522"/>
+                <a:gd name="connsiteX0" fmla="*/ 366021 w 2133406"/>
+                <a:gd name="connsiteY0" fmla="*/ 0 h 2133522"/>
+                <a:gd name="connsiteX1" fmla="*/ 849509 w 2133406"/>
+                <a:gd name="connsiteY1" fmla="*/ 229847 h 2133522"/>
+                <a:gd name="connsiteX2" fmla="*/ 595868 w 2133406"/>
+                <a:gd name="connsiteY2" fmla="*/ 483488 h 2133522"/>
+                <a:gd name="connsiteX3" fmla="*/ 366021 w 2133406"/>
+                <a:gd name="connsiteY3" fmla="*/ 0 h 2133522"/>
+                <a:gd name="connsiteX4" fmla="*/ 0 w 2133406"/>
+                <a:gd name="connsiteY4" fmla="*/ 883751 h 2133522"/>
+                <a:gd name="connsiteX5" fmla="*/ 504335 w 2133406"/>
+                <a:gd name="connsiteY5" fmla="*/ 704397 h 2133522"/>
+                <a:gd name="connsiteX6" fmla="*/ 504335 w 2133406"/>
+                <a:gd name="connsiteY6" fmla="*/ 1063104 h 2133522"/>
+                <a:gd name="connsiteX7" fmla="*/ 0 w 2133406"/>
+                <a:gd name="connsiteY7" fmla="*/ 883751 h 2133522"/>
+                <a:gd name="connsiteX8" fmla="*/ 366021 w 2133406"/>
+                <a:gd name="connsiteY8" fmla="*/ 1767385 h 2133522"/>
+                <a:gd name="connsiteX9" fmla="*/ 595868 w 2133406"/>
+                <a:gd name="connsiteY9" fmla="*/ 1284013 h 2133522"/>
+                <a:gd name="connsiteX10" fmla="*/ 849509 w 2133406"/>
+                <a:gd name="connsiteY10" fmla="*/ 1537654 h 2133522"/>
+                <a:gd name="connsiteX11" fmla="*/ 366021 w 2133406"/>
+                <a:gd name="connsiteY11" fmla="*/ 1767385 h 2133522"/>
+                <a:gd name="connsiteX12" fmla="*/ 1249772 w 2133406"/>
+                <a:gd name="connsiteY12" fmla="*/ 2133522 h 2133522"/>
+                <a:gd name="connsiteX13" fmla="*/ 1070418 w 2133406"/>
+                <a:gd name="connsiteY13" fmla="*/ 1629187 h 2133522"/>
+                <a:gd name="connsiteX14" fmla="*/ 1429125 w 2133406"/>
+                <a:gd name="connsiteY14" fmla="*/ 1629187 h 2133522"/>
+                <a:gd name="connsiteX15" fmla="*/ 1249772 w 2133406"/>
+                <a:gd name="connsiteY15" fmla="*/ 2133522 h 2133522"/>
+                <a:gd name="connsiteX16" fmla="*/ 2133406 w 2133406"/>
+                <a:gd name="connsiteY16" fmla="*/ 1767385 h 2133522"/>
+                <a:gd name="connsiteX17" fmla="*/ 1650034 w 2133406"/>
+                <a:gd name="connsiteY17" fmla="*/ 1537654 h 2133522"/>
+                <a:gd name="connsiteX18" fmla="*/ 1903675 w 2133406"/>
+                <a:gd name="connsiteY18" fmla="*/ 1284013 h 2133522"/>
+                <a:gd name="connsiteX19" fmla="*/ 2133406 w 2133406"/>
+                <a:gd name="connsiteY19" fmla="*/ 1767385 h 2133522"/>
+                <a:gd name="connsiteX20" fmla="*/ 624886 w 2133406"/>
+                <a:gd name="connsiteY20" fmla="*/ 883751 h 2133522"/>
+                <a:gd name="connsiteX21" fmla="*/ 1249772 w 2133406"/>
+                <a:gd name="connsiteY21" fmla="*/ 258865 h 2133522"/>
+                <a:gd name="connsiteX22" fmla="*/ 1874658 w 2133406"/>
+                <a:gd name="connsiteY22" fmla="*/ 883751 h 2133522"/>
+                <a:gd name="connsiteX23" fmla="*/ 1249772 w 2133406"/>
+                <a:gd name="connsiteY23" fmla="*/ 1508637 h 2133522"/>
+                <a:gd name="connsiteX24" fmla="*/ 624886 w 2133406"/>
+                <a:gd name="connsiteY24" fmla="*/ 883751 h 2133522"/>
+                <a:gd name="connsiteX0" fmla="*/ 366021 w 2133406"/>
+                <a:gd name="connsiteY0" fmla="*/ 0 h 2133522"/>
+                <a:gd name="connsiteX1" fmla="*/ 849509 w 2133406"/>
+                <a:gd name="connsiteY1" fmla="*/ 229847 h 2133522"/>
+                <a:gd name="connsiteX2" fmla="*/ 595868 w 2133406"/>
+                <a:gd name="connsiteY2" fmla="*/ 483488 h 2133522"/>
+                <a:gd name="connsiteX3" fmla="*/ 366021 w 2133406"/>
+                <a:gd name="connsiteY3" fmla="*/ 0 h 2133522"/>
+                <a:gd name="connsiteX4" fmla="*/ 0 w 2133406"/>
+                <a:gd name="connsiteY4" fmla="*/ 883751 h 2133522"/>
+                <a:gd name="connsiteX5" fmla="*/ 504335 w 2133406"/>
+                <a:gd name="connsiteY5" fmla="*/ 704397 h 2133522"/>
+                <a:gd name="connsiteX6" fmla="*/ 504335 w 2133406"/>
+                <a:gd name="connsiteY6" fmla="*/ 1063104 h 2133522"/>
+                <a:gd name="connsiteX7" fmla="*/ 0 w 2133406"/>
+                <a:gd name="connsiteY7" fmla="*/ 883751 h 2133522"/>
+                <a:gd name="connsiteX8" fmla="*/ 366021 w 2133406"/>
+                <a:gd name="connsiteY8" fmla="*/ 1767385 h 2133522"/>
+                <a:gd name="connsiteX9" fmla="*/ 595868 w 2133406"/>
+                <a:gd name="connsiteY9" fmla="*/ 1284013 h 2133522"/>
+                <a:gd name="connsiteX10" fmla="*/ 849509 w 2133406"/>
+                <a:gd name="connsiteY10" fmla="*/ 1537654 h 2133522"/>
+                <a:gd name="connsiteX11" fmla="*/ 366021 w 2133406"/>
+                <a:gd name="connsiteY11" fmla="*/ 1767385 h 2133522"/>
+                <a:gd name="connsiteX12" fmla="*/ 1249772 w 2133406"/>
+                <a:gd name="connsiteY12" fmla="*/ 2133522 h 2133522"/>
+                <a:gd name="connsiteX13" fmla="*/ 1070418 w 2133406"/>
+                <a:gd name="connsiteY13" fmla="*/ 1629187 h 2133522"/>
+                <a:gd name="connsiteX14" fmla="*/ 1429125 w 2133406"/>
+                <a:gd name="connsiteY14" fmla="*/ 1629187 h 2133522"/>
+                <a:gd name="connsiteX15" fmla="*/ 1249772 w 2133406"/>
+                <a:gd name="connsiteY15" fmla="*/ 2133522 h 2133522"/>
+                <a:gd name="connsiteX16" fmla="*/ 2133406 w 2133406"/>
+                <a:gd name="connsiteY16" fmla="*/ 1767385 h 2133522"/>
+                <a:gd name="connsiteX17" fmla="*/ 1650034 w 2133406"/>
+                <a:gd name="connsiteY17" fmla="*/ 1537654 h 2133522"/>
+                <a:gd name="connsiteX18" fmla="*/ 1903675 w 2133406"/>
+                <a:gd name="connsiteY18" fmla="*/ 1284013 h 2133522"/>
+                <a:gd name="connsiteX19" fmla="*/ 2133406 w 2133406"/>
+                <a:gd name="connsiteY19" fmla="*/ 1767385 h 2133522"/>
+                <a:gd name="connsiteX20" fmla="*/ 624886 w 2133406"/>
+                <a:gd name="connsiteY20" fmla="*/ 883751 h 2133522"/>
+                <a:gd name="connsiteX21" fmla="*/ 1249772 w 2133406"/>
+                <a:gd name="connsiteY21" fmla="*/ 258865 h 2133522"/>
+                <a:gd name="connsiteX22" fmla="*/ 1874658 w 2133406"/>
+                <a:gd name="connsiteY22" fmla="*/ 883751 h 2133522"/>
+                <a:gd name="connsiteX23" fmla="*/ 1249772 w 2133406"/>
+                <a:gd name="connsiteY23" fmla="*/ 1508637 h 2133522"/>
+                <a:gd name="connsiteX24" fmla="*/ 624886 w 2133406"/>
+                <a:gd name="connsiteY24" fmla="*/ 883751 h 2133522"/>
+                <a:gd name="connsiteX0" fmla="*/ 366021 w 2133406"/>
+                <a:gd name="connsiteY0" fmla="*/ 0 h 2133522"/>
+                <a:gd name="connsiteX1" fmla="*/ 849509 w 2133406"/>
+                <a:gd name="connsiteY1" fmla="*/ 229847 h 2133522"/>
+                <a:gd name="connsiteX2" fmla="*/ 595868 w 2133406"/>
+                <a:gd name="connsiteY2" fmla="*/ 483488 h 2133522"/>
+                <a:gd name="connsiteX3" fmla="*/ 366021 w 2133406"/>
+                <a:gd name="connsiteY3" fmla="*/ 0 h 2133522"/>
+                <a:gd name="connsiteX4" fmla="*/ 0 w 2133406"/>
+                <a:gd name="connsiteY4" fmla="*/ 883751 h 2133522"/>
+                <a:gd name="connsiteX5" fmla="*/ 504335 w 2133406"/>
+                <a:gd name="connsiteY5" fmla="*/ 704397 h 2133522"/>
+                <a:gd name="connsiteX6" fmla="*/ 504335 w 2133406"/>
+                <a:gd name="connsiteY6" fmla="*/ 1063104 h 2133522"/>
+                <a:gd name="connsiteX7" fmla="*/ 0 w 2133406"/>
+                <a:gd name="connsiteY7" fmla="*/ 883751 h 2133522"/>
+                <a:gd name="connsiteX8" fmla="*/ 366021 w 2133406"/>
+                <a:gd name="connsiteY8" fmla="*/ 1767385 h 2133522"/>
+                <a:gd name="connsiteX9" fmla="*/ 595868 w 2133406"/>
+                <a:gd name="connsiteY9" fmla="*/ 1284013 h 2133522"/>
+                <a:gd name="connsiteX10" fmla="*/ 849509 w 2133406"/>
+                <a:gd name="connsiteY10" fmla="*/ 1537654 h 2133522"/>
+                <a:gd name="connsiteX11" fmla="*/ 366021 w 2133406"/>
+                <a:gd name="connsiteY11" fmla="*/ 1767385 h 2133522"/>
+                <a:gd name="connsiteX12" fmla="*/ 1249772 w 2133406"/>
+                <a:gd name="connsiteY12" fmla="*/ 2133522 h 2133522"/>
+                <a:gd name="connsiteX13" fmla="*/ 1070418 w 2133406"/>
+                <a:gd name="connsiteY13" fmla="*/ 1629187 h 2133522"/>
+                <a:gd name="connsiteX14" fmla="*/ 1429125 w 2133406"/>
+                <a:gd name="connsiteY14" fmla="*/ 1629187 h 2133522"/>
+                <a:gd name="connsiteX15" fmla="*/ 1249772 w 2133406"/>
+                <a:gd name="connsiteY15" fmla="*/ 2133522 h 2133522"/>
+                <a:gd name="connsiteX16" fmla="*/ 2133406 w 2133406"/>
+                <a:gd name="connsiteY16" fmla="*/ 1767385 h 2133522"/>
+                <a:gd name="connsiteX17" fmla="*/ 1650034 w 2133406"/>
+                <a:gd name="connsiteY17" fmla="*/ 1537654 h 2133522"/>
+                <a:gd name="connsiteX18" fmla="*/ 1903675 w 2133406"/>
+                <a:gd name="connsiteY18" fmla="*/ 1284013 h 2133522"/>
+                <a:gd name="connsiteX19" fmla="*/ 2133406 w 2133406"/>
+                <a:gd name="connsiteY19" fmla="*/ 1767385 h 2133522"/>
+                <a:gd name="connsiteX20" fmla="*/ 624886 w 2133406"/>
+                <a:gd name="connsiteY20" fmla="*/ 883751 h 2133522"/>
+                <a:gd name="connsiteX21" fmla="*/ 1249772 w 2133406"/>
+                <a:gd name="connsiteY21" fmla="*/ 258865 h 2133522"/>
+                <a:gd name="connsiteX22" fmla="*/ 1874658 w 2133406"/>
+                <a:gd name="connsiteY22" fmla="*/ 883751 h 2133522"/>
+                <a:gd name="connsiteX23" fmla="*/ 1249772 w 2133406"/>
+                <a:gd name="connsiteY23" fmla="*/ 1508637 h 2133522"/>
+                <a:gd name="connsiteX24" fmla="*/ 624886 w 2133406"/>
+                <a:gd name="connsiteY24" fmla="*/ 883751 h 2133522"/>
+              </a:gdLst>
+              <a:ahLst/>
+              <a:cxnLst>
+                <a:cxn ang="0">
+                  <a:pos x="connsiteX0" y="connsiteY0"/>
+                </a:cxn>
+                <a:cxn ang="0">
+                  <a:pos x="connsiteX1" y="connsiteY1"/>
+                </a:cxn>
+                <a:cxn ang="0">
+                  <a:pos x="connsiteX2" y="connsiteY2"/>
+                </a:cxn>
+                <a:cxn ang="0">
+                  <a:pos x="connsiteX3" y="connsiteY3"/>
+                </a:cxn>
+                <a:cxn ang="0">
+                  <a:pos x="connsiteX4" y="connsiteY4"/>
+                </a:cxn>
+                <a:cxn ang="0">
+                  <a:pos x="connsiteX5" y="connsiteY5"/>
+                </a:cxn>
+                <a:cxn ang="0">
+                  <a:pos x="connsiteX6" y="connsiteY6"/>
+                </a:cxn>
+                <a:cxn ang="0">
+                  <a:pos x="connsiteX7" y="connsiteY7"/>
+                </a:cxn>
+                <a:cxn ang="0">
+                  <a:pos x="connsiteX8" y="connsiteY8"/>
+                </a:cxn>
+                <a:cxn ang="0">
+                  <a:pos x="connsiteX9" y="connsiteY9"/>
+                </a:cxn>
+                <a:cxn ang="0">
+                  <a:pos x="connsiteX10" y="connsiteY10"/>
+                </a:cxn>
+                <a:cxn ang="0">
+                  <a:pos x="connsiteX11" y="connsiteY11"/>
+                </a:cxn>
+                <a:cxn ang="0">
+                  <a:pos x="connsiteX12" y="connsiteY12"/>
+                </a:cxn>
+                <a:cxn ang="0">
+                  <a:pos x="connsiteX13" y="connsiteY13"/>
+                </a:cxn>
+                <a:cxn ang="0">
+                  <a:pos x="connsiteX14" y="connsiteY14"/>
+                </a:cxn>
+                <a:cxn ang="0">
+                  <a:pos x="connsiteX15" y="connsiteY15"/>
+                </a:cxn>
+                <a:cxn ang="0">
+                  <a:pos x="connsiteX16" y="connsiteY16"/>
+                </a:cxn>
+                <a:cxn ang="0">
+                  <a:pos x="connsiteX17" y="connsiteY17"/>
+                </a:cxn>
+                <a:cxn ang="0">
+                  <a:pos x="connsiteX18" y="connsiteY18"/>
+                </a:cxn>
+                <a:cxn ang="0">
+                  <a:pos x="connsiteX19" y="connsiteY19"/>
+                </a:cxn>
+                <a:cxn ang="0">
+                  <a:pos x="connsiteX20" y="connsiteY20"/>
+                </a:cxn>
+                <a:cxn ang="0">
+                  <a:pos x="connsiteX21" y="connsiteY21"/>
+                </a:cxn>
+                <a:cxn ang="0">
+                  <a:pos x="connsiteX22" y="connsiteY22"/>
+                </a:cxn>
+                <a:cxn ang="0">
+                  <a:pos x="connsiteX23" y="connsiteY23"/>
+                </a:cxn>
+                <a:cxn ang="0">
+                  <a:pos x="connsiteX24" y="connsiteY24"/>
+                </a:cxn>
+              </a:cxnLst>
+              <a:rect l="l" t="t" r="r" b="b"/>
+              <a:pathLst>
+                <a:path w="2133406" h="2133522">
+                  <a:moveTo>
+                    <a:pt x="366021" y="0"/>
+                  </a:moveTo>
+                  <a:lnTo>
+                    <a:pt x="849509" y="229847"/>
+                  </a:lnTo>
+                  <a:lnTo>
+                    <a:pt x="595868" y="483488"/>
+                  </a:lnTo>
+                  <a:lnTo>
+                    <a:pt x="366021" y="0"/>
+                  </a:lnTo>
+                  <a:close/>
+                  <a:moveTo>
+                    <a:pt x="0" y="883751"/>
+                  </a:moveTo>
+                  <a:lnTo>
+                    <a:pt x="504335" y="704397"/>
+                  </a:lnTo>
+                  <a:lnTo>
+                    <a:pt x="504335" y="1063104"/>
+                  </a:lnTo>
+                  <a:lnTo>
+                    <a:pt x="0" y="883751"/>
+                  </a:lnTo>
+                  <a:close/>
+                  <a:moveTo>
+                    <a:pt x="366021" y="1767385"/>
+                  </a:moveTo>
+                  <a:lnTo>
+                    <a:pt x="595868" y="1284013"/>
+                  </a:lnTo>
+                  <a:lnTo>
+                    <a:pt x="849509" y="1537654"/>
+                  </a:lnTo>
+                  <a:lnTo>
+                    <a:pt x="366021" y="1767385"/>
+                  </a:lnTo>
+                  <a:close/>
+                  <a:moveTo>
+                    <a:pt x="1249772" y="2133522"/>
+                  </a:moveTo>
+                  <a:lnTo>
+                    <a:pt x="1070418" y="1629187"/>
+                  </a:lnTo>
+                  <a:lnTo>
+                    <a:pt x="1429125" y="1629187"/>
+                  </a:lnTo>
+                  <a:lnTo>
+                    <a:pt x="1249772" y="2133522"/>
+                  </a:lnTo>
+                  <a:close/>
+                  <a:moveTo>
+                    <a:pt x="2133406" y="1767385"/>
+                  </a:moveTo>
+                  <a:lnTo>
+                    <a:pt x="1650034" y="1537654"/>
+                  </a:lnTo>
+                  <a:lnTo>
+                    <a:pt x="1903675" y="1284013"/>
+                  </a:lnTo>
+                  <a:lnTo>
+                    <a:pt x="2133406" y="1767385"/>
+                  </a:lnTo>
+                  <a:close/>
+                  <a:moveTo>
+                    <a:pt x="624886" y="883751"/>
+                  </a:moveTo>
+                  <a:cubicBezTo>
+                    <a:pt x="624886" y="538636"/>
+                    <a:pt x="1171114" y="125885"/>
+                    <a:pt x="1249772" y="258865"/>
+                  </a:cubicBezTo>
+                  <a:cubicBezTo>
+                    <a:pt x="1328430" y="391845"/>
+                    <a:pt x="1304635" y="795833"/>
+                    <a:pt x="1874658" y="883751"/>
+                  </a:cubicBezTo>
+                  <a:cubicBezTo>
+                    <a:pt x="1874658" y="1228866"/>
+                    <a:pt x="1594887" y="1508637"/>
+                    <a:pt x="1249772" y="1508637"/>
+                  </a:cubicBezTo>
+                  <a:cubicBezTo>
+                    <a:pt x="904657" y="1508637"/>
+                    <a:pt x="624886" y="1228866"/>
+                    <a:pt x="624886" y="883751"/>
+                  </a:cubicBezTo>
+                  <a:close/>
+                </a:path>
+              </a:pathLst>
+            </a:custGeom>
+            <a:solidFill>
+              <a:srgbClr val="FFFF00"/>
+            </a:solidFill>
+          </p:spPr>
+          <p:style>
+            <a:lnRef idx="2">
+              <a:schemeClr val="accent1">
+                <a:shade val="50000"/>
+              </a:schemeClr>
+            </a:lnRef>
+            <a:fillRef idx="1">
+              <a:schemeClr val="accent1"/>
+            </a:fillRef>
+            <a:effectRef idx="0">
+              <a:schemeClr val="accent1"/>
+            </a:effectRef>
+            <a:fontRef idx="minor">
+              <a:schemeClr val="lt1"/>
+            </a:fontRef>
+          </p:style>
+          <p:txBody>
+            <a:bodyPr rtlCol="0" anchor="ctr"/>
+            <a:lstStyle/>
+            <a:p>
+              <a:pPr algn="ctr"/>
+              <a:endParaRPr lang="en-US"/>
+            </a:p>
+          </p:txBody>
+        </p:sp>
+        <p:pic>
+          <p:nvPicPr>
+            <p:cNvPr id="8" name="Graphic 7" descr="Flashlight">
+              <a:extLst>
+                <a:ext uri="{FF2B5EF4-FFF2-40B4-BE49-F238E27FC236}">
+                  <a16:creationId xmlns:a16="http://schemas.microsoft.com/office/drawing/2014/main" id="{2A09CFB9-DFD6-44FB-BC7A-1C926143F471}"/>
+                </a:ext>
+              </a:extLst>
+            </p:cNvPr>
+            <p:cNvPicPr>
+              <a:picLocks noChangeAspect="1"/>
+            </p:cNvPicPr>
+            <p:nvPr/>
+          </p:nvPicPr>
+          <p:blipFill>
+            <a:blip r:embed="rId4">
+              <a:extLst>
+                <a:ext uri="{28A0092B-C50C-407E-A947-70E740481C1C}">
+                  <a14:useLocalDpi xmlns:a14="http://schemas.microsoft.com/office/drawing/2010/main" val="0"/>
+                </a:ext>
+                <a:ext uri="{96DAC541-7B7A-43D3-8B79-37D633B846F1}">
+                  <asvg:svgBlip xmlns:asvg="http://schemas.microsoft.com/office/drawing/2016/SVG/main" r:embed="rId5"/>
+                </a:ext>
+              </a:extLst>
+            </a:blip>
+            <a:stretch>
+              <a:fillRect/>
+            </a:stretch>
+          </p:blipFill>
+          <p:spPr>
+            <a:xfrm rot="12083658">
+              <a:off x="7783689" y="385769"/>
+              <a:ext cx="3240727" cy="3240727"/>
+            </a:xfrm>
+            <a:prstGeom prst="rect">
+              <a:avLst/>
+            </a:prstGeom>
+          </p:spPr>
+        </p:pic>
+      </p:grpSp>
+    </p:spTree>
+    <p:extLst>
+      <p:ext uri="{BB962C8B-B14F-4D97-AF65-F5344CB8AC3E}">
+        <p14:creationId xmlns:p14="http://schemas.microsoft.com/office/powerpoint/2010/main" val="3114972814"/>
+      </p:ext>
+    </p:extLst>
+  </p:cSld>
+  <p:clrMapOvr>
+    <a:masterClrMapping/>
+  </p:clrMapOvr>
+</p:sld>
+</file>
+
+<file path=ppt/slides/slide3.xml><?xml version="1.0" encoding="utf-8"?>
+<p:sld xmlns:a="http://schemas.openxmlformats.org/drawingml/2006/main" xmlns:r="http://schemas.openxmlformats.org/officeDocument/2006/relationships" xmlns:p="http://schemas.openxmlformats.org/presentationml/2006/main">
+  <p:cSld>
+    <p:spTree>
+      <p:nvGrpSpPr>
+        <p:cNvPr id="1" name=""/>
+        <p:cNvGrpSpPr/>
+        <p:nvPr/>
+      </p:nvGrpSpPr>
+      <p:grpSpPr>
+        <a:xfrm>
+          <a:off x="0" y="0"/>
+          <a:ext cx="0" cy="0"/>
+          <a:chOff x="0" y="0"/>
+          <a:chExt cx="0" cy="0"/>
+        </a:xfrm>
+      </p:grpSpPr>
+      <p:pic>
+        <p:nvPicPr>
+          <p:cNvPr id="15" name="Picture 14">
+            <a:extLst>
+              <a:ext uri="{FF2B5EF4-FFF2-40B4-BE49-F238E27FC236}">
+                <a16:creationId xmlns:a16="http://schemas.microsoft.com/office/drawing/2014/main" id="{A576665A-589B-4D46-B76C-5162EC3D8B0D}"/>
+              </a:ext>
+            </a:extLst>
+          </p:cNvPr>
+          <p:cNvPicPr>
+            <a:picLocks noChangeAspect="1"/>
+          </p:cNvPicPr>
+          <p:nvPr/>
+        </p:nvPicPr>
+        <p:blipFill rotWithShape="1">
+          <a:blip r:embed="rId2">
+            <a:extLst>
+              <a:ext uri="{BEBA8EAE-BF5A-486C-A8C5-ECC9F3942E4B}">
+                <a14:imgProps xmlns:a14="http://schemas.microsoft.com/office/drawing/2010/main">
+                  <a14:imgLayer r:embed="rId3">
+                    <a14:imgEffect>
+                      <a14:brightnessContrast contrast="-40000"/>
+                    </a14:imgEffect>
+                  </a14:imgLayer>
+                </a14:imgProps>
+              </a:ext>
+            </a:extLst>
+          </a:blip>
+          <a:srcRect l="1645"/>
+          <a:stretch/>
+        </p:blipFill>
+        <p:spPr>
+          <a:xfrm>
+            <a:off x="221875" y="1048971"/>
+            <a:ext cx="4346221" cy="2689476"/>
+          </a:xfrm>
+          <a:prstGeom prst="rect">
+            <a:avLst/>
+          </a:prstGeom>
+        </p:spPr>
+      </p:pic>
+      <p:pic>
+        <p:nvPicPr>
+          <p:cNvPr id="18" name="Graphic 17" descr="Flashlight">
+            <a:extLst>
+              <a:ext uri="{FF2B5EF4-FFF2-40B4-BE49-F238E27FC236}">
+                <a16:creationId xmlns:a16="http://schemas.microsoft.com/office/drawing/2014/main" id="{E6E8E0C0-32AC-47C5-BD11-90506123B1CB}"/>
+              </a:ext>
+            </a:extLst>
+          </p:cNvPr>
+          <p:cNvPicPr>
+            <a:picLocks noChangeAspect="1"/>
+          </p:cNvPicPr>
+          <p:nvPr/>
+        </p:nvPicPr>
+        <p:blipFill>
+          <a:blip r:embed="rId4">
+            <a:extLst>
+              <a:ext uri="{28A0092B-C50C-407E-A947-70E740481C1C}">
+                <a14:useLocalDpi xmlns:a14="http://schemas.microsoft.com/office/drawing/2010/main" val="0"/>
+              </a:ext>
+              <a:ext uri="{96DAC541-7B7A-43D3-8B79-37D633B846F1}">
+                <asvg:svgBlip xmlns:asvg="http://schemas.microsoft.com/office/drawing/2016/SVG/main" r:embed="rId5"/>
+              </a:ext>
+            </a:extLst>
+          </a:blip>
+          <a:stretch>
+            <a:fillRect/>
+          </a:stretch>
+        </p:blipFill>
+        <p:spPr>
+          <a:xfrm rot="13530778">
+            <a:off x="5498165" y="555168"/>
+            <a:ext cx="3240727" cy="3240727"/>
+          </a:xfrm>
+          <a:prstGeom prst="rect">
+            <a:avLst/>
+          </a:prstGeom>
+        </p:spPr>
+      </p:pic>
+    </p:spTree>
+    <p:extLst>
+      <p:ext uri="{BB962C8B-B14F-4D97-AF65-F5344CB8AC3E}">
+        <p14:creationId xmlns:p14="http://schemas.microsoft.com/office/powerpoint/2010/main" val="3223371852"/>
       </p:ext>
     </p:extLst>
   </p:cSld>
